--- a/Red Bear BLE Nano 2__a.pptx
+++ b/Red Bear BLE Nano 2__a.pptx
@@ -304,7 +304,7 @@
             <a:fld id="{B7422C72-2068-456B-A742-963993548C31}" type="datetimeFigureOut">
               <a:rPr lang="en-US" smtClean="0"/>
               <a:pPr/>
-              <a:t>10/7/2018</a:t>
+              <a:t>10/8/2018</a:t>
             </a:fld>
             <a:endParaRPr lang="en-US"/>
           </a:p>
@@ -471,7 +471,7 @@
             <a:fld id="{B7422C72-2068-456B-A742-963993548C31}" type="datetimeFigureOut">
               <a:rPr lang="en-US" smtClean="0"/>
               <a:pPr/>
-              <a:t>10/7/2018</a:t>
+              <a:t>10/8/2018</a:t>
             </a:fld>
             <a:endParaRPr lang="en-US"/>
           </a:p>
@@ -648,7 +648,7 @@
             <a:fld id="{B7422C72-2068-456B-A742-963993548C31}" type="datetimeFigureOut">
               <a:rPr lang="en-US" smtClean="0"/>
               <a:pPr/>
-              <a:t>10/7/2018</a:t>
+              <a:t>10/8/2018</a:t>
             </a:fld>
             <a:endParaRPr lang="en-US"/>
           </a:p>
@@ -815,7 +815,7 @@
             <a:fld id="{B7422C72-2068-456B-A742-963993548C31}" type="datetimeFigureOut">
               <a:rPr lang="en-US" smtClean="0"/>
               <a:pPr/>
-              <a:t>10/7/2018</a:t>
+              <a:t>10/8/2018</a:t>
             </a:fld>
             <a:endParaRPr lang="en-US"/>
           </a:p>
@@ -1058,7 +1058,7 @@
             <a:fld id="{B7422C72-2068-456B-A742-963993548C31}" type="datetimeFigureOut">
               <a:rPr lang="en-US" smtClean="0"/>
               <a:pPr/>
-              <a:t>10/7/2018</a:t>
+              <a:t>10/8/2018</a:t>
             </a:fld>
             <a:endParaRPr lang="en-US"/>
           </a:p>
@@ -1343,7 +1343,7 @@
             <a:fld id="{B7422C72-2068-456B-A742-963993548C31}" type="datetimeFigureOut">
               <a:rPr lang="en-US" smtClean="0"/>
               <a:pPr/>
-              <a:t>10/7/2018</a:t>
+              <a:t>10/8/2018</a:t>
             </a:fld>
             <a:endParaRPr lang="en-US"/>
           </a:p>
@@ -1762,7 +1762,7 @@
             <a:fld id="{B7422C72-2068-456B-A742-963993548C31}" type="datetimeFigureOut">
               <a:rPr lang="en-US" smtClean="0"/>
               <a:pPr/>
-              <a:t>10/7/2018</a:t>
+              <a:t>10/8/2018</a:t>
             </a:fld>
             <a:endParaRPr lang="en-US"/>
           </a:p>
@@ -1877,7 +1877,7 @@
             <a:fld id="{B7422C72-2068-456B-A742-963993548C31}" type="datetimeFigureOut">
               <a:rPr lang="en-US" smtClean="0"/>
               <a:pPr/>
-              <a:t>10/7/2018</a:t>
+              <a:t>10/8/2018</a:t>
             </a:fld>
             <a:endParaRPr lang="en-US"/>
           </a:p>
@@ -1969,7 +1969,7 @@
             <a:fld id="{B7422C72-2068-456B-A742-963993548C31}" type="datetimeFigureOut">
               <a:rPr lang="en-US" smtClean="0"/>
               <a:pPr/>
-              <a:t>10/7/2018</a:t>
+              <a:t>10/8/2018</a:t>
             </a:fld>
             <a:endParaRPr lang="en-US"/>
           </a:p>
@@ -2243,7 +2243,7 @@
             <a:fld id="{B7422C72-2068-456B-A742-963993548C31}" type="datetimeFigureOut">
               <a:rPr lang="en-US" smtClean="0"/>
               <a:pPr/>
-              <a:t>10/7/2018</a:t>
+              <a:t>10/8/2018</a:t>
             </a:fld>
             <a:endParaRPr lang="en-US"/>
           </a:p>
@@ -2493,7 +2493,7 @@
             <a:fld id="{B7422C72-2068-456B-A742-963993548C31}" type="datetimeFigureOut">
               <a:rPr lang="en-US" smtClean="0"/>
               <a:pPr/>
-              <a:t>10/7/2018</a:t>
+              <a:t>10/8/2018</a:t>
             </a:fld>
             <a:endParaRPr lang="en-US"/>
           </a:p>
@@ -2703,7 +2703,7 @@
             <a:fld id="{B7422C72-2068-456B-A742-963993548C31}" type="datetimeFigureOut">
               <a:rPr lang="en-US" smtClean="0"/>
               <a:pPr/>
-              <a:t>10/7/2018</a:t>
+              <a:t>10/8/2018</a:t>
             </a:fld>
             <a:endParaRPr lang="en-US"/>
           </a:p>
@@ -3347,6 +3347,13 @@
   <p:clrMapOvr>
     <a:masterClrMapping/>
   </p:clrMapOvr>
+  <p:timing>
+    <p:tnLst>
+      <p:par>
+        <p:cTn id="1" dur="indefinite" restart="never" nodeType="tmRoot"/>
+      </p:par>
+    </p:tnLst>
+  </p:timing>
 </p:sld>
 </file>
 
@@ -3466,6 +3473,13 @@
   <p:clrMapOvr>
     <a:masterClrMapping/>
   </p:clrMapOvr>
+  <p:timing>
+    <p:tnLst>
+      <p:par>
+        <p:cTn id="1" dur="indefinite" restart="never" nodeType="tmRoot"/>
+      </p:par>
+    </p:tnLst>
+  </p:timing>
 </p:sld>
 </file>
 
@@ -3617,6 +3631,13 @@
   <p:clrMapOvr>
     <a:masterClrMapping/>
   </p:clrMapOvr>
+  <p:timing>
+    <p:tnLst>
+      <p:par>
+        <p:cTn id="1" dur="indefinite" restart="never" nodeType="tmRoot"/>
+      </p:par>
+    </p:tnLst>
+  </p:timing>
 </p:sld>
 </file>
 
@@ -3742,6 +3763,13 @@
   <p:clrMapOvr>
     <a:masterClrMapping/>
   </p:clrMapOvr>
+  <p:timing>
+    <p:tnLst>
+      <p:par>
+        <p:cTn id="1" dur="indefinite" restart="never" nodeType="tmRoot"/>
+      </p:par>
+    </p:tnLst>
+  </p:timing>
 </p:sld>
 </file>
 
@@ -3856,6 +3884,13 @@
   <p:clrMapOvr>
     <a:masterClrMapping/>
   </p:clrMapOvr>
+  <p:timing>
+    <p:tnLst>
+      <p:par>
+        <p:cTn id="1" dur="indefinite" restart="never" nodeType="tmRoot"/>
+      </p:par>
+    </p:tnLst>
+  </p:timing>
 </p:sld>
 </file>
 
@@ -4031,6 +4066,13 @@
   <p:clrMapOvr>
     <a:masterClrMapping/>
   </p:clrMapOvr>
+  <p:timing>
+    <p:tnLst>
+      <p:par>
+        <p:cTn id="1" dur="indefinite" restart="never" nodeType="tmRoot"/>
+      </p:par>
+    </p:tnLst>
+  </p:timing>
 </p:sld>
 </file>
 
@@ -4295,6 +4337,13 @@
   <p:clrMapOvr>
     <a:masterClrMapping/>
   </p:clrMapOvr>
+  <p:timing>
+    <p:tnLst>
+      <p:par>
+        <p:cTn id="1" dur="indefinite" restart="never" nodeType="tmRoot"/>
+      </p:par>
+    </p:tnLst>
+  </p:timing>
 </p:sld>
 </file>
 
@@ -4374,7 +4423,7 @@
           <a:p>
             <a:r>
               <a:rPr lang="en-US" dirty="0" smtClean="0"/>
-              <a:t>This little demo program has a simulated “heart rate” monitor function that goes from 100 </a:t>
+              <a:t>It also has a simulated “heart rate” monitor function ranging from 100 </a:t>
             </a:r>
             <a:r>
               <a:rPr lang="en-US" dirty="0" err="1" smtClean="0"/>
@@ -4390,7 +4439,7 @@
             </a:r>
             <a:r>
               <a:rPr lang="en-US" dirty="0" smtClean="0"/>
-              <a:t> every 75 seconds (very sick person)</a:t>
+              <a:t> every 75 seconds (sick person)</a:t>
             </a:r>
           </a:p>
         </p:txBody>
@@ -4419,11 +4468,7 @@
           <a:p>
             <a:r>
               <a:rPr lang="en-US" i="1" dirty="0" smtClean="0"/>
-              <a:t>(</a:t>
-            </a:r>
-            <a:r>
-              <a:rPr lang="en-US" sz="1400" dirty="0" smtClean="0"/>
-              <a:t>But these were stock functionality that I did not modify.)</a:t>
+              <a:t>(These are provided by Red Bear /  Particle.io)</a:t>
             </a:r>
             <a:endParaRPr lang="en-US" sz="1400" dirty="0"/>
           </a:p>
@@ -4438,7 +4483,7 @@
         <p:spPr>
           <a:xfrm>
             <a:off x="381000" y="5105400"/>
-            <a:ext cx="7772400" cy="1077218"/>
+            <a:ext cx="7772400" cy="1046440"/>
           </a:xfrm>
           <a:prstGeom prst="rect">
             <a:avLst/>
@@ -4452,22 +4497,26 @@
           <a:lstStyle/>
           <a:p>
             <a:r>
+              <a:rPr lang="en-US" sz="3200" i="1" u="sng" dirty="0" smtClean="0"/>
+              <a:t>Finally:</a:t>
+            </a:r>
+            <a:r>
               <a:rPr lang="en-US" sz="3200" i="1" dirty="0" smtClean="0"/>
-              <a:t>Finally:   	</a:t>
-            </a:r>
-            <a:r>
-              <a:rPr lang="en-US" i="1" dirty="0" smtClean="0"/>
+              <a:t>   </a:t>
+            </a:r>
+            <a:r>
+              <a:rPr lang="en-US" sz="2000" dirty="0" smtClean="0"/>
               <a:t>For slide deck and source to modified </a:t>
             </a:r>
             <a:r>
-              <a:rPr lang="en-US" i="1" dirty="0" err="1" smtClean="0"/>
+              <a:rPr lang="en-US" sz="2000" dirty="0" err="1" smtClean="0"/>
               <a:t>Arduino</a:t>
             </a:r>
             <a:r>
-              <a:rPr lang="en-US" i="1" dirty="0" smtClean="0"/>
+              <a:rPr lang="en-US" sz="2000" dirty="0" smtClean="0"/>
               <a:t> Sketch see:</a:t>
             </a:r>
-            <a:endParaRPr lang="en-US" sz="1400" i="1" dirty="0" smtClean="0"/>
+            <a:endParaRPr lang="en-US" sz="1400" dirty="0" smtClean="0"/>
           </a:p>
           <a:p>
             <a:endParaRPr lang="en-US" sz="1400" i="1" dirty="0" smtClean="0"/>
@@ -4478,16 +4527,10 @@
               <a:t>             		</a:t>
             </a:r>
             <a:r>
-              <a:rPr lang="en-US" i="1" dirty="0" smtClean="0"/>
-              <a:t>http</a:t>
-            </a:r>
-            <a:r>
-              <a:rPr lang="en-US" i="1" smtClean="0"/>
-              <a:t>://</a:t>
-            </a:r>
-            <a:r>
-              <a:rPr lang="en-US" i="1" smtClean="0"/>
-              <a:t>github/jmkuss/BLE_Nano2Demo</a:t>
+              <a:rPr lang="en-US" sz="1600" i="1" dirty="0" smtClean="0">
+                <a:hlinkClick r:id="rId2"/>
+              </a:rPr>
+              <a:t> https://github.com/jmkuss/BLE_Nano2_Demo</a:t>
             </a:r>
             <a:endParaRPr lang="en-US" sz="1400" i="1" dirty="0"/>
           </a:p>
@@ -4498,6 +4541,13 @@
   <p:clrMapOvr>
     <a:masterClrMapping/>
   </p:clrMapOvr>
+  <p:timing>
+    <p:tnLst>
+      <p:par>
+        <p:cTn id="1" dur="indefinite" restart="never" nodeType="tmRoot"/>
+      </p:par>
+    </p:tnLst>
+  </p:timing>
 </p:sld>
 </file>
 
@@ -4692,6 +4742,13 @@
   <p:clrMapOvr>
     <a:masterClrMapping/>
   </p:clrMapOvr>
+  <p:timing>
+    <p:tnLst>
+      <p:par>
+        <p:cTn id="1" dur="indefinite" restart="never" nodeType="tmRoot"/>
+      </p:par>
+    </p:tnLst>
+  </p:timing>
 </p:sld>
 </file>
 
@@ -4804,6 +4861,13 @@
   <p:clrMapOvr>
     <a:masterClrMapping/>
   </p:clrMapOvr>
+  <p:timing>
+    <p:tnLst>
+      <p:par>
+        <p:cTn id="1" dur="indefinite" restart="never" nodeType="tmRoot"/>
+      </p:par>
+    </p:tnLst>
+  </p:timing>
 </p:sld>
 </file>
 
@@ -4989,6 +5053,13 @@
   <p:clrMapOvr>
     <a:masterClrMapping/>
   </p:clrMapOvr>
+  <p:timing>
+    <p:tnLst>
+      <p:par>
+        <p:cTn id="1" dur="indefinite" restart="never" nodeType="tmRoot"/>
+      </p:par>
+    </p:tnLst>
+  </p:timing>
 </p:sld>
 </file>
 
@@ -5092,6 +5163,13 @@
   <p:clrMapOvr>
     <a:masterClrMapping/>
   </p:clrMapOvr>
+  <p:timing>
+    <p:tnLst>
+      <p:par>
+        <p:cTn id="1" dur="indefinite" restart="never" nodeType="tmRoot"/>
+      </p:par>
+    </p:tnLst>
+  </p:timing>
 </p:sld>
 </file>
 
@@ -5241,6 +5319,13 @@
   <p:clrMapOvr>
     <a:masterClrMapping/>
   </p:clrMapOvr>
+  <p:timing>
+    <p:tnLst>
+      <p:par>
+        <p:cTn id="1" dur="indefinite" restart="never" nodeType="tmRoot"/>
+      </p:par>
+    </p:tnLst>
+  </p:timing>
 </p:sld>
 </file>
 
@@ -5348,6 +5433,13 @@
   <p:clrMapOvr>
     <a:masterClrMapping/>
   </p:clrMapOvr>
+  <p:timing>
+    <p:tnLst>
+      <p:par>
+        <p:cTn id="1" dur="indefinite" restart="never" nodeType="tmRoot"/>
+      </p:par>
+    </p:tnLst>
+  </p:timing>
 </p:sld>
 </file>
 
@@ -5463,6 +5555,13 @@
   <p:clrMapOvr>
     <a:masterClrMapping/>
   </p:clrMapOvr>
+  <p:timing>
+    <p:tnLst>
+      <p:par>
+        <p:cTn id="1" dur="indefinite" restart="never" nodeType="tmRoot"/>
+      </p:par>
+    </p:tnLst>
+  </p:timing>
 </p:sld>
 </file>
 
@@ -5630,6 +5729,13 @@
   <p:clrMapOvr>
     <a:masterClrMapping/>
   </p:clrMapOvr>
+  <p:timing>
+    <p:tnLst>
+      <p:par>
+        <p:cTn id="1" dur="indefinite" restart="never" nodeType="tmRoot"/>
+      </p:par>
+    </p:tnLst>
+  </p:timing>
 </p:sld>
 </file>
 
